--- a/Project 2.pptx
+++ b/Project 2.pptx
@@ -1105,7 +1105,7 @@
             <a:fld id="{B61BEF0D-F0BB-DE4B-95CE-6DB70DBA9567}" type="datetimeFigureOut">
               <a:rPr lang="en-US" smtClean="0"/>
               <a:pPr/>
-              <a:t>2/17/2020</a:t>
+              <a:t>2/18/2020</a:t>
             </a:fld>
             <a:endParaRPr lang="en-US" dirty="0"/>
           </a:p>
@@ -1450,7 +1450,7 @@
             <a:fld id="{B61BEF0D-F0BB-DE4B-95CE-6DB70DBA9567}" type="datetimeFigureOut">
               <a:rPr lang="en-US" smtClean="0"/>
               <a:pPr/>
-              <a:t>2/17/2020</a:t>
+              <a:t>2/18/2020</a:t>
             </a:fld>
             <a:endParaRPr lang="en-US" dirty="0"/>
           </a:p>
@@ -1739,7 +1739,7 @@
             <a:fld id="{B61BEF0D-F0BB-DE4B-95CE-6DB70DBA9567}" type="datetimeFigureOut">
               <a:rPr lang="en-US" smtClean="0"/>
               <a:pPr/>
-              <a:t>2/17/2020</a:t>
+              <a:t>2/18/2020</a:t>
             </a:fld>
             <a:endParaRPr lang="en-US" dirty="0"/>
           </a:p>
@@ -2318,7 +2318,7 @@
             <a:fld id="{B61BEF0D-F0BB-DE4B-95CE-6DB70DBA9567}" type="datetimeFigureOut">
               <a:rPr lang="en-US" smtClean="0"/>
               <a:pPr/>
-              <a:t>2/17/2020</a:t>
+              <a:t>2/18/2020</a:t>
             </a:fld>
             <a:endParaRPr lang="en-US" dirty="0"/>
           </a:p>
@@ -2607,7 +2607,7 @@
             <a:fld id="{B61BEF0D-F0BB-DE4B-95CE-6DB70DBA9567}" type="datetimeFigureOut">
               <a:rPr lang="en-US" smtClean="0"/>
               <a:pPr/>
-              <a:t>2/17/2020</a:t>
+              <a:t>2/18/2020</a:t>
             </a:fld>
             <a:endParaRPr lang="en-US" dirty="0"/>
           </a:p>
@@ -3180,7 +3180,7 @@
             <a:fld id="{B61BEF0D-F0BB-DE4B-95CE-6DB70DBA9567}" type="datetimeFigureOut">
               <a:rPr lang="en-US" smtClean="0"/>
               <a:pPr/>
-              <a:t>2/17/2020</a:t>
+              <a:t>2/18/2020</a:t>
             </a:fld>
             <a:endParaRPr lang="en-US" dirty="0"/>
           </a:p>
@@ -3518,7 +3518,7 @@
             <a:fld id="{B61BEF0D-F0BB-DE4B-95CE-6DB70DBA9567}" type="datetimeFigureOut">
               <a:rPr lang="en-US" smtClean="0"/>
               <a:pPr/>
-              <a:t>2/17/2020</a:t>
+              <a:t>2/18/2020</a:t>
             </a:fld>
             <a:endParaRPr lang="en-US" dirty="0"/>
           </a:p>
@@ -3705,7 +3705,7 @@
           <a:p>
             <a:fld id="{55C6B4A9-1611-4792-9094-5F34BCA07E0B}" type="datetimeFigureOut">
               <a:rPr lang="en-US" smtClean="0"/>
-              <a:t>2/17/2020</a:t>
+              <a:t>2/18/2020</a:t>
             </a:fld>
             <a:endParaRPr lang="en-US" dirty="0"/>
           </a:p>
@@ -3954,7 +3954,7 @@
             <a:fld id="{B61BEF0D-F0BB-DE4B-95CE-6DB70DBA9567}" type="datetimeFigureOut">
               <a:rPr lang="en-US" smtClean="0"/>
               <a:pPr/>
-              <a:t>2/17/2020</a:t>
+              <a:t>2/18/2020</a:t>
             </a:fld>
             <a:endParaRPr lang="en-US" dirty="0"/>
           </a:p>
@@ -4532,7 +4532,7 @@
             <a:fld id="{B61BEF0D-F0BB-DE4B-95CE-6DB70DBA9567}" type="datetimeFigureOut">
               <a:rPr lang="en-US" smtClean="0"/>
               <a:pPr/>
-              <a:t>2/17/2020</a:t>
+              <a:t>2/18/2020</a:t>
             </a:fld>
             <a:endParaRPr lang="en-US" dirty="0"/>
           </a:p>
@@ -4819,7 +4819,7 @@
             <a:fld id="{B61BEF0D-F0BB-DE4B-95CE-6DB70DBA9567}" type="datetimeFigureOut">
               <a:rPr lang="en-US" smtClean="0"/>
               <a:pPr/>
-              <a:t>2/17/2020</a:t>
+              <a:t>2/18/2020</a:t>
             </a:fld>
             <a:endParaRPr lang="en-US" dirty="0"/>
           </a:p>
@@ -5095,7 +5095,7 @@
           <a:p>
             <a:fld id="{EB712588-04B1-427B-82EE-E8DB90309F08}" type="datetimeFigureOut">
               <a:rPr lang="en-US" smtClean="0"/>
-              <a:t>2/17/2020</a:t>
+              <a:t>2/18/2020</a:t>
             </a:fld>
             <a:endParaRPr lang="en-US" dirty="0"/>
           </a:p>
@@ -5480,7 +5480,7 @@
             <a:fld id="{B61BEF0D-F0BB-DE4B-95CE-6DB70DBA9567}" type="datetimeFigureOut">
               <a:rPr lang="en-US" smtClean="0"/>
               <a:pPr/>
-              <a:t>2/17/2020</a:t>
+              <a:t>2/18/2020</a:t>
             </a:fld>
             <a:endParaRPr lang="en-US" dirty="0"/>
           </a:p>
@@ -5639,7 +5639,7 @@
             <a:fld id="{B61BEF0D-F0BB-DE4B-95CE-6DB70DBA9567}" type="datetimeFigureOut">
               <a:rPr lang="en-US" smtClean="0"/>
               <a:pPr/>
-              <a:t>2/17/2020</a:t>
+              <a:t>2/18/2020</a:t>
             </a:fld>
             <a:endParaRPr lang="en-US" dirty="0"/>
           </a:p>
@@ -5775,7 +5775,7 @@
             <a:fld id="{B61BEF0D-F0BB-DE4B-95CE-6DB70DBA9567}" type="datetimeFigureOut">
               <a:rPr lang="en-US" smtClean="0"/>
               <a:pPr/>
-              <a:t>2/17/2020</a:t>
+              <a:t>2/18/2020</a:t>
             </a:fld>
             <a:endParaRPr lang="en-US" dirty="0"/>
           </a:p>
@@ -6069,7 +6069,7 @@
           <a:p>
             <a:fld id="{42A54C80-263E-416B-A8E0-580EDEADCBDC}" type="datetimeFigureOut">
               <a:rPr lang="en-US" smtClean="0"/>
-              <a:t>2/17/2020</a:t>
+              <a:t>2/18/2020</a:t>
             </a:fld>
             <a:endParaRPr lang="en-US" dirty="0"/>
           </a:p>
@@ -6404,7 +6404,7 @@
             <a:fld id="{B61BEF0D-F0BB-DE4B-95CE-6DB70DBA9567}" type="datetimeFigureOut">
               <a:rPr lang="en-US" smtClean="0"/>
               <a:pPr/>
-              <a:t>2/17/2020</a:t>
+              <a:t>2/18/2020</a:t>
             </a:fld>
             <a:endParaRPr lang="en-US" dirty="0"/>
           </a:p>
@@ -6629,7 +6629,7 @@
             <a:fld id="{B61BEF0D-F0BB-DE4B-95CE-6DB70DBA9567}" type="datetimeFigureOut">
               <a:rPr lang="en-US" smtClean="0"/>
               <a:pPr/>
-              <a:t>2/17/2020</a:t>
+              <a:t>2/18/2020</a:t>
             </a:fld>
             <a:endParaRPr lang="en-US" dirty="0"/>
           </a:p>
@@ -7217,13 +7217,13 @@
   <p:clrMapOvr>
     <a:masterClrMapping/>
   </p:clrMapOvr>
-  <mc:AlternateContent xmlns:mc="http://schemas.openxmlformats.org/markup-compatibility/2006">
-    <mc:Choice xmlns:p159="http://schemas.microsoft.com/office/powerpoint/2015/09/main" Requires="p159">
+  <mc:AlternateContent xmlns:mc="http://schemas.openxmlformats.org/markup-compatibility/2006" xmlns:p159="http://schemas.microsoft.com/office/powerpoint/2015/09/main">
+    <mc:Choice Requires="p159">
       <p:transition xmlns:p14="http://schemas.microsoft.com/office/powerpoint/2010/main" spd="slow" p14:dur="2000">
         <p159:morph option="byObject"/>
       </p:transition>
     </mc:Choice>
-    <mc:Fallback>
+    <mc:Fallback xmlns="">
       <p:transition spd="slow">
         <p:fade/>
       </p:transition>
@@ -7273,13 +7273,13 @@
   <p:clrMapOvr>
     <a:masterClrMapping/>
   </p:clrMapOvr>
-  <mc:AlternateContent xmlns:mc="http://schemas.openxmlformats.org/markup-compatibility/2006">
-    <mc:Choice xmlns:p14="http://schemas.microsoft.com/office/powerpoint/2010/main" Requires="p14">
+  <mc:AlternateContent xmlns:mc="http://schemas.openxmlformats.org/markup-compatibility/2006" xmlns:p14="http://schemas.microsoft.com/office/powerpoint/2010/main">
+    <mc:Choice Requires="p14">
       <p:transition spd="med" p14:dur="700">
         <p:fade/>
       </p:transition>
     </mc:Choice>
-    <mc:Fallback>
+    <mc:Fallback xmlns="">
       <p:transition spd="med">
         <p:fade/>
       </p:transition>
@@ -7443,13 +7443,13 @@
   <p:clrMapOvr>
     <a:masterClrMapping/>
   </p:clrMapOvr>
-  <mc:AlternateContent xmlns:mc="http://schemas.openxmlformats.org/markup-compatibility/2006">
-    <mc:Choice xmlns:p14="http://schemas.microsoft.com/office/powerpoint/2010/main" Requires="p14">
+  <mc:AlternateContent xmlns:mc="http://schemas.openxmlformats.org/markup-compatibility/2006" xmlns:p14="http://schemas.microsoft.com/office/powerpoint/2010/main">
+    <mc:Choice Requires="p14">
       <p:transition spd="slow" p14:dur="3400">
         <p14:reveal/>
       </p:transition>
     </mc:Choice>
-    <mc:Fallback>
+    <mc:Fallback xmlns="">
       <p:transition spd="slow">
         <p:fade/>
       </p:transition>
@@ -7798,13 +7798,13 @@
   <p:clrMapOvr>
     <a:masterClrMapping/>
   </p:clrMapOvr>
-  <mc:AlternateContent xmlns:mc="http://schemas.openxmlformats.org/markup-compatibility/2006">
-    <mc:Choice xmlns:p14="http://schemas.microsoft.com/office/powerpoint/2010/main" Requires="p14">
+  <mc:AlternateContent xmlns:mc="http://schemas.openxmlformats.org/markup-compatibility/2006" xmlns:p14="http://schemas.microsoft.com/office/powerpoint/2010/main">
+    <mc:Choice Requires="p14">
       <p:transition spd="slow" p14:dur="1500">
         <p:split orient="vert"/>
       </p:transition>
     </mc:Choice>
-    <mc:Fallback>
+    <mc:Fallback xmlns="">
       <p:transition spd="slow">
         <p:split orient="vert"/>
       </p:transition>
@@ -7848,7 +7848,7 @@
         </p:nvSpPr>
         <p:spPr>
           <a:xfrm>
-            <a:off x="816196" y="1485550"/>
+            <a:off x="201474" y="87056"/>
             <a:ext cx="8520600" cy="572700"/>
           </a:xfrm>
         </p:spPr>
@@ -7857,7 +7857,7 @@
           <a:lstStyle/>
           <a:p>
             <a:r>
-              <a:rPr lang="en-US" sz="8000" b="1" dirty="0">
+              <a:rPr lang="en-US" sz="6000" b="1" dirty="0">
                 <a:solidFill>
                   <a:srgbClr val="FFFF00"/>
                 </a:solidFill>
@@ -7865,6 +7865,140 @@
               </a:rPr>
               <a:t>FUTURE DEVELOPMENT</a:t>
             </a:r>
+          </a:p>
+        </p:txBody>
+      </p:sp>
+      <p:sp>
+        <p:nvSpPr>
+          <p:cNvPr id="3" name="TextBox 2">
+            <a:extLst>
+              <a:ext uri="{FF2B5EF4-FFF2-40B4-BE49-F238E27FC236}">
+                <a16:creationId xmlns:a16="http://schemas.microsoft.com/office/drawing/2014/main" id="{C23F92BE-3341-4CBD-8BD1-FAA2065D1BBC}"/>
+              </a:ext>
+            </a:extLst>
+          </p:cNvPr>
+          <p:cNvSpPr txBox="1"/>
+          <p:nvPr/>
+        </p:nvSpPr>
+        <p:spPr>
+          <a:xfrm>
+            <a:off x="2043954" y="1721223"/>
+            <a:ext cx="7791610" cy="2954655"/>
+          </a:xfrm>
+          <a:prstGeom prst="rect">
+            <a:avLst/>
+          </a:prstGeom>
+          <a:noFill/>
+        </p:spPr>
+        <p:txBody>
+          <a:bodyPr wrap="square" rtlCol="0">
+            <a:spAutoFit/>
+          </a:bodyPr>
+          <a:lstStyle/>
+          <a:p>
+            <a:pPr marL="285750" indent="-285750">
+              <a:buFont typeface="Arial" panose="020B0604020202020204" pitchFamily="34" charset="0"/>
+              <a:buChar char="•"/>
+            </a:pPr>
+            <a:r>
+              <a:rPr lang="en-US" sz="2400" dirty="0">
+                <a:solidFill>
+                  <a:srgbClr val="FFFF00"/>
+                </a:solidFill>
+              </a:rPr>
+              <a:t>Saving constellations</a:t>
+            </a:r>
+          </a:p>
+          <a:p>
+            <a:pPr marL="285750" indent="-285750">
+              <a:buFont typeface="Arial" panose="020B0604020202020204" pitchFamily="34" charset="0"/>
+              <a:buChar char="•"/>
+            </a:pPr>
+            <a:r>
+              <a:rPr lang="en-US" sz="2400" dirty="0">
+                <a:solidFill>
+                  <a:srgbClr val="FFFF00"/>
+                </a:solidFill>
+              </a:rPr>
+              <a:t>Location services</a:t>
+            </a:r>
+          </a:p>
+          <a:p>
+            <a:pPr marL="285750" indent="-285750">
+              <a:buFont typeface="Arial" panose="020B0604020202020204" pitchFamily="34" charset="0"/>
+              <a:buChar char="•"/>
+            </a:pPr>
+            <a:r>
+              <a:rPr lang="en-US" sz="2400" dirty="0">
+                <a:solidFill>
+                  <a:srgbClr val="FFFF00"/>
+                </a:solidFill>
+              </a:rPr>
+              <a:t>More information</a:t>
+            </a:r>
+          </a:p>
+          <a:p>
+            <a:pPr marL="285750" indent="-285750">
+              <a:buFont typeface="Arial" panose="020B0604020202020204" pitchFamily="34" charset="0"/>
+              <a:buChar char="•"/>
+            </a:pPr>
+            <a:r>
+              <a:rPr lang="en-US" sz="2400" dirty="0">
+                <a:solidFill>
+                  <a:srgbClr val="FFFF00"/>
+                </a:solidFill>
+              </a:rPr>
+              <a:t>Added features</a:t>
+            </a:r>
+          </a:p>
+          <a:p>
+            <a:pPr marL="742950" lvl="1" indent="-285750">
+              <a:buFont typeface="Arial" panose="020B0604020202020204" pitchFamily="34" charset="0"/>
+              <a:buChar char="•"/>
+            </a:pPr>
+            <a:r>
+              <a:rPr lang="en-US" sz="2400" dirty="0">
+                <a:solidFill>
+                  <a:srgbClr val="FFFF00"/>
+                </a:solidFill>
+              </a:rPr>
+              <a:t>Password retrieval</a:t>
+            </a:r>
+          </a:p>
+          <a:p>
+            <a:pPr marL="742950" lvl="1" indent="-285750">
+              <a:buFont typeface="Arial" panose="020B0604020202020204" pitchFamily="34" charset="0"/>
+              <a:buChar char="•"/>
+            </a:pPr>
+            <a:r>
+              <a:rPr lang="en-US" sz="2400" dirty="0">
+                <a:solidFill>
+                  <a:srgbClr val="FFFF00"/>
+                </a:solidFill>
+              </a:rPr>
+              <a:t>Search options</a:t>
+            </a:r>
+          </a:p>
+          <a:p>
+            <a:pPr marL="742950" lvl="1" indent="-285750">
+              <a:buFont typeface="Arial" panose="020B0604020202020204" pitchFamily="34" charset="0"/>
+              <a:buChar char="•"/>
+            </a:pPr>
+            <a:r>
+              <a:rPr lang="en-US" sz="2400" dirty="0">
+                <a:solidFill>
+                  <a:srgbClr val="FFFF00"/>
+                </a:solidFill>
+              </a:rPr>
+              <a:t>Interactive sky map</a:t>
+            </a:r>
+          </a:p>
+          <a:p>
+            <a:pPr marL="285750" indent="-285750">
+              <a:buFont typeface="Arial" panose="020B0604020202020204" pitchFamily="34" charset="0"/>
+              <a:buChar char="•"/>
+            </a:pPr>
+            <a:endParaRPr lang="en-US" dirty="0"/>
           </a:p>
         </p:txBody>
       </p:sp>

--- a/Project 2.pptx
+++ b/Project 2.pptx
@@ -8136,7 +8136,7 @@
               <a:buNone/>
             </a:pPr>
             <a:r>
-              <a:rPr lang="en-US" b="1" dirty="0">
+              <a:rPr lang="en-US" b="1">
                 <a:solidFill>
                   <a:srgbClr val="FFFF00"/>
                 </a:solidFill>
@@ -8144,10 +8144,10 @@
               <a:t>	</a:t>
             </a:r>
             <a:r>
-              <a:rPr lang="en-US" sz="1600" u="sng" dirty="0">
+              <a:rPr lang="en-US" sz="1600">
                 <a:hlinkClick r:id="rId4"/>
               </a:rPr>
-              <a:t>https://fathomless-refuge-38360.herokuapp.com/</a:t>
+              <a:t>https://cryptic-oasis-97928.herokuapp.com/</a:t>
             </a:r>
             <a:endParaRPr lang="en-US" sz="1600" b="1" dirty="0">
               <a:solidFill>

--- a/Project 2.pptx
+++ b/Project 2.pptx
@@ -8144,10 +8144,10 @@
               <a:t>	</a:t>
             </a:r>
             <a:r>
-              <a:rPr lang="en-US" sz="1600" u="sng" dirty="0">
+              <a:rPr lang="en-US" sz="1600" dirty="0">
                 <a:hlinkClick r:id="rId4"/>
               </a:rPr>
-              <a:t>https://fathomless-refuge-38360.herokuapp.com/</a:t>
+              <a:t>https://cryptic-oasis-97928.herokuapp.com/</a:t>
             </a:r>
             <a:endParaRPr lang="en-US" sz="1600" b="1" dirty="0">
               <a:solidFill>

--- a/Project 2.pptx
+++ b/Project 2.pptx
@@ -5,17 +5,18 @@
     <p:sldMasterId id="2147483813" r:id="rId1"/>
   </p:sldMasterIdLst>
   <p:notesMasterIdLst>
-    <p:notesMasterId r:id="rId10"/>
+    <p:notesMasterId r:id="rId11"/>
   </p:notesMasterIdLst>
   <p:sldIdLst>
     <p:sldId id="263" r:id="rId2"/>
-    <p:sldId id="264" r:id="rId3"/>
-    <p:sldId id="258" r:id="rId4"/>
-    <p:sldId id="265" r:id="rId5"/>
-    <p:sldId id="259" r:id="rId6"/>
-    <p:sldId id="267" r:id="rId7"/>
-    <p:sldId id="262" r:id="rId8"/>
-    <p:sldId id="266" r:id="rId9"/>
+    <p:sldId id="268" r:id="rId3"/>
+    <p:sldId id="264" r:id="rId4"/>
+    <p:sldId id="258" r:id="rId5"/>
+    <p:sldId id="265" r:id="rId6"/>
+    <p:sldId id="259" r:id="rId7"/>
+    <p:sldId id="267" r:id="rId8"/>
+    <p:sldId id="262" r:id="rId9"/>
+    <p:sldId id="266" r:id="rId10"/>
   </p:sldIdLst>
   <p:sldSz cx="9144000" cy="5143500" type="screen16x9"/>
   <p:notesSz cx="6858000" cy="9144000"/>
@@ -7235,6 +7236,155 @@
 <file path=ppt/slides/slide2.xml><?xml version="1.0" encoding="utf-8"?>
 <p:sld xmlns:a="http://schemas.openxmlformats.org/drawingml/2006/main" xmlns:r="http://schemas.openxmlformats.org/officeDocument/2006/relationships" xmlns:p="http://schemas.openxmlformats.org/presentationml/2006/main">
   <p:cSld>
+    <p:spTree>
+      <p:nvGrpSpPr>
+        <p:cNvPr id="1" name=""/>
+        <p:cNvGrpSpPr/>
+        <p:nvPr/>
+      </p:nvGrpSpPr>
+      <p:grpSpPr>
+        <a:xfrm>
+          <a:off x="0" y="0"/>
+          <a:ext cx="0" cy="0"/>
+          <a:chOff x="0" y="0"/>
+          <a:chExt cx="0" cy="0"/>
+        </a:xfrm>
+      </p:grpSpPr>
+      <p:sp>
+        <p:nvSpPr>
+          <p:cNvPr id="2" name="Title 1">
+            <a:extLst>
+              <a:ext uri="{FF2B5EF4-FFF2-40B4-BE49-F238E27FC236}">
+                <a16:creationId xmlns:a16="http://schemas.microsoft.com/office/drawing/2014/main" id="{75AD2115-556E-4740-BFF8-CE657DAAC8DB}"/>
+              </a:ext>
+            </a:extLst>
+          </p:cNvPr>
+          <p:cNvSpPr>
+            <a:spLocks noGrp="1"/>
+          </p:cNvSpPr>
+          <p:nvPr>
+            <p:ph type="title"/>
+          </p:nvPr>
+        </p:nvSpPr>
+        <p:spPr/>
+        <p:txBody>
+          <a:bodyPr/>
+          <a:lstStyle/>
+          <a:p>
+            <a:r>
+              <a:rPr lang="en-US" sz="4000" b="1" dirty="0">
+                <a:solidFill>
+                  <a:srgbClr val="FFFF00"/>
+                </a:solidFill>
+              </a:rPr>
+              <a:t>AUTHORS</a:t>
+            </a:r>
+          </a:p>
+        </p:txBody>
+      </p:sp>
+      <p:sp>
+        <p:nvSpPr>
+          <p:cNvPr id="3" name="Text Placeholder 2">
+            <a:extLst>
+              <a:ext uri="{FF2B5EF4-FFF2-40B4-BE49-F238E27FC236}">
+                <a16:creationId xmlns:a16="http://schemas.microsoft.com/office/drawing/2014/main" id="{F4FE4042-CC0E-4C34-8CB9-690A384966A6}"/>
+              </a:ext>
+            </a:extLst>
+          </p:cNvPr>
+          <p:cNvSpPr>
+            <a:spLocks noGrp="1"/>
+          </p:cNvSpPr>
+          <p:nvPr>
+            <p:ph type="body" idx="1"/>
+          </p:nvPr>
+        </p:nvSpPr>
+        <p:spPr/>
+        <p:txBody>
+          <a:bodyPr/>
+          <a:lstStyle/>
+          <a:p>
+            <a:r>
+              <a:rPr lang="en-US" sz="4000" dirty="0">
+                <a:solidFill>
+                  <a:srgbClr val="FFFF00"/>
+                </a:solidFill>
+                <a:latin typeface="Aharoni" panose="020B0604020202020204" pitchFamily="2" charset="-79"/>
+                <a:cs typeface="Aharoni" panose="020B0604020202020204" pitchFamily="2" charset="-79"/>
+              </a:rPr>
+              <a:t>Elizabeth Garcia-</a:t>
+            </a:r>
+            <a:r>
+              <a:rPr lang="en-US" sz="4000" dirty="0" err="1">
+                <a:solidFill>
+                  <a:srgbClr val="FFFF00"/>
+                </a:solidFill>
+                <a:latin typeface="Aharoni" panose="020B0604020202020204" pitchFamily="2" charset="-79"/>
+                <a:cs typeface="Aharoni" panose="020B0604020202020204" pitchFamily="2" charset="-79"/>
+              </a:rPr>
+              <a:t>Quilinquin</a:t>
+            </a:r>
+            <a:endParaRPr lang="en-US" sz="4000" dirty="0">
+              <a:solidFill>
+                <a:srgbClr val="FFFF00"/>
+              </a:solidFill>
+              <a:latin typeface="Aharoni" panose="020B0604020202020204" pitchFamily="2" charset="-79"/>
+              <a:cs typeface="Aharoni" panose="020B0604020202020204" pitchFamily="2" charset="-79"/>
+            </a:endParaRPr>
+          </a:p>
+          <a:p>
+            <a:r>
+              <a:rPr lang="en-US" sz="4000" dirty="0">
+                <a:solidFill>
+                  <a:srgbClr val="FFFF00"/>
+                </a:solidFill>
+                <a:latin typeface="Aharoni" panose="020B0604020202020204" pitchFamily="2" charset="-79"/>
+                <a:cs typeface="Aharoni" panose="020B0604020202020204" pitchFamily="2" charset="-79"/>
+              </a:rPr>
+              <a:t>Laurie Schroeder</a:t>
+            </a:r>
+          </a:p>
+          <a:p>
+            <a:r>
+              <a:rPr lang="en-US" sz="4000" dirty="0">
+                <a:solidFill>
+                  <a:srgbClr val="FFFF00"/>
+                </a:solidFill>
+                <a:latin typeface="Aharoni" panose="020B0604020202020204" pitchFamily="2" charset="-79"/>
+                <a:cs typeface="Aharoni" panose="020B0604020202020204" pitchFamily="2" charset="-79"/>
+              </a:rPr>
+              <a:t>Jared Bucko</a:t>
+            </a:r>
+          </a:p>
+          <a:p>
+            <a:r>
+              <a:rPr lang="en-US" sz="4000" dirty="0">
+                <a:solidFill>
+                  <a:srgbClr val="FFFF00"/>
+                </a:solidFill>
+                <a:latin typeface="Aharoni" panose="020B0604020202020204" pitchFamily="2" charset="-79"/>
+                <a:cs typeface="Aharoni" panose="020B0604020202020204" pitchFamily="2" charset="-79"/>
+              </a:rPr>
+              <a:t>James Nelson</a:t>
+            </a:r>
+          </a:p>
+        </p:txBody>
+      </p:sp>
+    </p:spTree>
+    <p:extLst>
+      <p:ext uri="{BB962C8B-B14F-4D97-AF65-F5344CB8AC3E}">
+        <p14:creationId xmlns:p14="http://schemas.microsoft.com/office/powerpoint/2010/main" val="3885859429"/>
+      </p:ext>
+    </p:extLst>
+  </p:cSld>
+  <p:clrMapOvr>
+    <a:masterClrMapping/>
+  </p:clrMapOvr>
+</p:sld>
+</file>
+
+<file path=ppt/slides/slide3.xml><?xml version="1.0" encoding="utf-8"?>
+<p:sld xmlns:a="http://schemas.openxmlformats.org/drawingml/2006/main" xmlns:r="http://schemas.openxmlformats.org/officeDocument/2006/relationships" xmlns:p="http://schemas.openxmlformats.org/presentationml/2006/main">
+  <p:cSld>
     <p:bg>
       <p:bgPr>
         <a:blipFill dpi="0" rotWithShape="1">
@@ -7288,7 +7438,7 @@
 </p:sld>
 </file>
 
-<file path=ppt/slides/slide3.xml><?xml version="1.0" encoding="utf-8"?>
+<file path=ppt/slides/slide4.xml><?xml version="1.0" encoding="utf-8"?>
 <p:sld xmlns:a="http://schemas.openxmlformats.org/drawingml/2006/main" xmlns:r="http://schemas.openxmlformats.org/officeDocument/2006/relationships" xmlns:p="http://schemas.openxmlformats.org/presentationml/2006/main">
   <p:cSld>
     <p:bg>
@@ -7458,7 +7608,7 @@
 </p:sld>
 </file>
 
-<file path=ppt/slides/slide4.xml><?xml version="1.0" encoding="utf-8"?>
+<file path=ppt/slides/slide5.xml><?xml version="1.0" encoding="utf-8"?>
 <p:sld xmlns:a="http://schemas.openxmlformats.org/drawingml/2006/main" xmlns:r="http://schemas.openxmlformats.org/officeDocument/2006/relationships" xmlns:p="http://schemas.openxmlformats.org/presentationml/2006/main">
   <p:cSld>
     <p:spTree>
@@ -7529,7 +7679,7 @@
 </p:sld>
 </file>
 
-<file path=ppt/slides/slide5.xml><?xml version="1.0" encoding="utf-8"?>
+<file path=ppt/slides/slide6.xml><?xml version="1.0" encoding="utf-8"?>
 <p:sld xmlns:a="http://schemas.openxmlformats.org/drawingml/2006/main" xmlns:r="http://schemas.openxmlformats.org/officeDocument/2006/relationships" xmlns:p="http://schemas.openxmlformats.org/presentationml/2006/main">
   <p:cSld>
     <p:bg>
@@ -7813,7 +7963,7 @@
 </p:sld>
 </file>
 
-<file path=ppt/slides/slide6.xml><?xml version="1.0" encoding="utf-8"?>
+<file path=ppt/slides/slide7.xml><?xml version="1.0" encoding="utf-8"?>
 <p:sld xmlns:a="http://schemas.openxmlformats.org/drawingml/2006/main" xmlns:r="http://schemas.openxmlformats.org/officeDocument/2006/relationships" xmlns:p="http://schemas.openxmlformats.org/presentationml/2006/main">
   <p:cSld>
     <p:spTree>
@@ -8015,7 +8165,7 @@
 </p:sld>
 </file>
 
-<file path=ppt/slides/slide7.xml><?xml version="1.0" encoding="utf-8"?>
+<file path=ppt/slides/slide8.xml><?xml version="1.0" encoding="utf-8"?>
 <p:sld xmlns:a="http://schemas.openxmlformats.org/drawingml/2006/main" xmlns:r="http://schemas.openxmlformats.org/officeDocument/2006/relationships" xmlns:p="http://schemas.openxmlformats.org/presentationml/2006/main">
   <p:cSld>
     <p:bg>
@@ -8136,7 +8286,7 @@
               <a:buNone/>
             </a:pPr>
             <a:r>
-              <a:rPr lang="en-US" b="1" dirty="0">
+              <a:rPr lang="en-US" b="1">
                 <a:solidFill>
                   <a:srgbClr val="FFFF00"/>
                 </a:solidFill>
@@ -8144,10 +8294,10 @@
               <a:t>	</a:t>
             </a:r>
             <a:r>
-              <a:rPr lang="en-US" sz="1600" dirty="0">
+              <a:rPr lang="en-US" sz="1600">
                 <a:hlinkClick r:id="rId4"/>
               </a:rPr>
-              <a:t>https://cryptic-oasis-97928.herokuapp.com/</a:t>
+              <a:t>https://limitless-atoll-63723.herokuapp.com/</a:t>
             </a:r>
             <a:endParaRPr lang="en-US" sz="1600" b="1" dirty="0">
               <a:solidFill>
@@ -8206,7 +8356,7 @@
 </p:sld>
 </file>
 
-<file path=ppt/slides/slide8.xml><?xml version="1.0" encoding="utf-8"?>
+<file path=ppt/slides/slide9.xml><?xml version="1.0" encoding="utf-8"?>
 <p:sld xmlns:a="http://schemas.openxmlformats.org/drawingml/2006/main" xmlns:r="http://schemas.openxmlformats.org/officeDocument/2006/relationships" xmlns:p="http://schemas.openxmlformats.org/presentationml/2006/main">
   <p:cSld>
     <p:spTree>
